--- a/Documentação/Slides/Apresentação_mineHash.pptx
+++ b/Documentação/Slides/Apresentação_mineHash.pptx
@@ -19367,8 +19367,8 @@
         </p:nvSpPr>
         <p:spPr>
           <a:xfrm>
-            <a:off x="273618" y="923372"/>
-            <a:ext cx="3844982" cy="3027600"/>
+            <a:off x="954190" y="961465"/>
+            <a:ext cx="7137275" cy="3027600"/>
           </a:xfrm>
         </p:spPr>
         <p:txBody>
@@ -19376,76 +19376,76 @@
           <a:lstStyle/>
           <a:p>
             <a:r>
-              <a:rPr lang="pt-BR" sz="1200" dirty="0"/>
+              <a:rPr lang="pt-BR" sz="1600" dirty="0"/>
               <a:t>Blockchain: cadeia de blocos OU corrente de blocos:</a:t>
             </a:r>
           </a:p>
           <a:p>
             <a:pPr lvl="1"/>
             <a:r>
-              <a:rPr lang="pt-BR" sz="1200" dirty="0"/>
+              <a:rPr lang="pt-BR" sz="1600" dirty="0"/>
               <a:t>Tecnologia de criptografia, uma estrutura de dados que permite armazenar informações de forma aberta por várias máquinas numa mesma rede; </a:t>
             </a:r>
           </a:p>
           <a:p>
             <a:r>
-              <a:rPr lang="pt-BR" sz="1200" dirty="0"/>
+              <a:rPr lang="pt-BR" sz="1600" dirty="0"/>
               <a:t>Criptomoedas: Moeda Eletrônica</a:t>
             </a:r>
           </a:p>
           <a:p>
             <a:pPr lvl="1"/>
             <a:r>
-              <a:rPr lang="pt-BR" sz="1200" dirty="0"/>
+              <a:rPr lang="pt-BR" sz="1600" dirty="0"/>
               <a:t>Instrumento usado para realizar pagamentos;</a:t>
             </a:r>
           </a:p>
           <a:p>
             <a:pPr lvl="1"/>
             <a:r>
-              <a:rPr lang="pt-BR" sz="1200" dirty="0"/>
+              <a:rPr lang="pt-BR" sz="1600" dirty="0"/>
               <a:t>Transações não gerenciadas por um banco central;</a:t>
             </a:r>
           </a:p>
           <a:p>
             <a:r>
-              <a:rPr lang="pt-BR" sz="1200" dirty="0"/>
+              <a:rPr lang="pt-BR" sz="1600" dirty="0"/>
               <a:t>Mineração:</a:t>
             </a:r>
           </a:p>
           <a:p>
             <a:pPr lvl="1"/>
             <a:r>
-              <a:rPr lang="pt-BR" sz="1200" dirty="0"/>
+              <a:rPr lang="pt-BR" sz="1600" dirty="0"/>
               <a:t>PC com configuração robusta;</a:t>
             </a:r>
           </a:p>
           <a:p>
             <a:pPr lvl="1"/>
             <a:r>
-              <a:rPr lang="pt-BR" sz="1200" dirty="0"/>
+              <a:rPr lang="pt-BR" sz="1600" dirty="0"/>
               <a:t>Excelente placa de vídeo;</a:t>
             </a:r>
           </a:p>
           <a:p>
             <a:pPr lvl="1"/>
             <a:r>
-              <a:rPr lang="pt-BR" sz="1200" dirty="0"/>
+              <a:rPr lang="pt-BR" sz="1600" dirty="0"/>
               <a:t>Uso de mineradora</a:t>
             </a:r>
           </a:p>
           <a:p>
             <a:pPr lvl="1"/>
             <a:r>
-              <a:rPr lang="pt-BR" sz="1200" dirty="0"/>
+              <a:rPr lang="pt-BR" sz="1600" dirty="0"/>
               <a:t>Para tentar ter êxito na mineração de criptomoedas, é necessário trabalhar em </a:t>
             </a:r>
             <a:r>
-              <a:rPr lang="pt-BR" sz="1200" i="1" dirty="0"/>
+              <a:rPr lang="pt-BR" sz="1600" i="1" dirty="0"/>
               <a:t>pool</a:t>
             </a:r>
             <a:r>
-              <a:rPr lang="pt-BR" sz="1200" dirty="0"/>
+              <a:rPr lang="pt-BR" sz="1600" dirty="0"/>
               <a:t> de mineradores.</a:t>
             </a:r>
           </a:p>
@@ -19454,7 +19454,7 @@
               <a:buNone/>
             </a:pPr>
             <a:r>
-              <a:rPr lang="pt-BR" dirty="0"/>
+              <a:rPr lang="pt-BR" sz="1600" dirty="0"/>
               <a:t> </a:t>
             </a:r>
           </a:p>
@@ -20165,74 +20165,6 @@
           </p:txBody>
         </p:sp>
       </p:grpSp>
-      <p:pic>
-        <p:nvPicPr>
-          <p:cNvPr id="11" name="Imagem 10">
-            <a:extLst>
-              <a:ext uri="{FF2B5EF4-FFF2-40B4-BE49-F238E27FC236}">
-                <a16:creationId xmlns:a16="http://schemas.microsoft.com/office/drawing/2014/main" id="{62322302-1EA0-4333-BAC3-E32298342EAC}"/>
-              </a:ext>
-            </a:extLst>
-          </p:cNvPr>
-          <p:cNvPicPr>
-            <a:picLocks noChangeAspect="1"/>
-          </p:cNvPicPr>
-          <p:nvPr/>
-        </p:nvPicPr>
-        <p:blipFill rotWithShape="1">
-          <a:blip r:embed="rId3"/>
-          <a:srcRect l="367" t="26437" r="61414" b="49163"/>
-          <a:stretch/>
-        </p:blipFill>
-        <p:spPr>
-          <a:xfrm>
-            <a:off x="5025402" y="3716069"/>
-            <a:ext cx="2420471" cy="960407"/>
-          </a:xfrm>
-          <a:prstGeom prst="rect">
-            <a:avLst/>
-          </a:prstGeom>
-          <a:ln>
-            <a:solidFill>
-              <a:schemeClr val="tx1"/>
-            </a:solidFill>
-          </a:ln>
-        </p:spPr>
-      </p:pic>
-      <p:pic>
-        <p:nvPicPr>
-          <p:cNvPr id="12" name="Imagem 11">
-            <a:extLst>
-              <a:ext uri="{FF2B5EF4-FFF2-40B4-BE49-F238E27FC236}">
-                <a16:creationId xmlns:a16="http://schemas.microsoft.com/office/drawing/2014/main" id="{C8E0C58E-AE0E-4268-9A11-DE6D7AABEADF}"/>
-              </a:ext>
-            </a:extLst>
-          </p:cNvPr>
-          <p:cNvPicPr>
-            <a:picLocks noChangeAspect="1"/>
-          </p:cNvPicPr>
-          <p:nvPr/>
-        </p:nvPicPr>
-        <p:blipFill rotWithShape="1">
-          <a:blip r:embed="rId4"/>
-          <a:srcRect t="16209" b="4445"/>
-          <a:stretch/>
-        </p:blipFill>
-        <p:spPr>
-          <a:xfrm>
-            <a:off x="4118600" y="1115340"/>
-            <a:ext cx="4436870" cy="2408761"/>
-          </a:xfrm>
-          <a:prstGeom prst="rect">
-            <a:avLst/>
-          </a:prstGeom>
-          <a:ln>
-            <a:solidFill>
-              <a:schemeClr val="tx1"/>
-            </a:solidFill>
-          </a:ln>
-        </p:spPr>
-      </p:pic>
     </p:spTree>
     <p:extLst>
       <p:ext uri="{BB962C8B-B14F-4D97-AF65-F5344CB8AC3E}">
@@ -20776,10 +20708,10 @@
       </p:sp>
       <p:pic>
         <p:nvPicPr>
-          <p:cNvPr id="3" name="Imagem 2" descr="Uma imagem contendo captura de tela, computador&#10;&#10;Descrição gerada automaticamente">
+          <p:cNvPr id="4" name="Imagem 3">
             <a:extLst>
               <a:ext uri="{FF2B5EF4-FFF2-40B4-BE49-F238E27FC236}">
-                <a16:creationId xmlns:a16="http://schemas.microsoft.com/office/drawing/2014/main" id="{369FBAE4-81FC-46E6-A3A9-1C20C6E4891D}"/>
+                <a16:creationId xmlns:a16="http://schemas.microsoft.com/office/drawing/2014/main" id="{55D28BA4-1324-47B1-AEB6-EC725E0D56E4}"/>
               </a:ext>
             </a:extLst>
           </p:cNvPr>
@@ -20790,13 +20722,13 @@
         </p:nvPicPr>
         <p:blipFill rotWithShape="1">
           <a:blip r:embed="rId3"/>
-          <a:srcRect l="2648" t="6151" r="8309" b="2964"/>
+          <a:srcRect l="2324" t="4503" r="2210" b="6769"/>
           <a:stretch/>
         </p:blipFill>
         <p:spPr>
           <a:xfrm>
-            <a:off x="586628" y="445193"/>
-            <a:ext cx="7851402" cy="4253113"/>
+            <a:off x="446567" y="476873"/>
+            <a:ext cx="8250865" cy="4189754"/>
           </a:xfrm>
           <a:prstGeom prst="rect">
             <a:avLst/>

--- a/Documentação/Slides/Apresentação_mineHash.pptx
+++ b/Documentação/Slides/Apresentação_mineHash.pptx
@@ -282,6 +282,35 @@
     </p:ext>
   </p:extLst>
 </p:presentation>
+</file>
+
+<file path=ppt/changesInfos/changesInfo1.xml><?xml version="1.0" encoding="utf-8"?>
+<pc:chgInfo xmlns:a="http://schemas.openxmlformats.org/drawingml/2006/main" xmlns:r="http://schemas.openxmlformats.org/officeDocument/2006/relationships" xmlns:ac="http://schemas.microsoft.com/office/drawing/2013/main/command" xmlns:pc="http://schemas.microsoft.com/office/powerpoint/2013/main/command">
+  <pc:docChgLst>
+    <pc:chgData name="Natalia Medina de Oliveira Juliano" userId="a09039d73e6596b9" providerId="LiveId" clId="{D5F928A2-87FA-476E-96F3-B445C9B4F7B5}"/>
+    <pc:docChg chg="modSld">
+      <pc:chgData name="Natalia Medina de Oliveira Juliano" userId="a09039d73e6596b9" providerId="LiveId" clId="{D5F928A2-87FA-476E-96F3-B445C9B4F7B5}" dt="2019-09-11T21:23:05.142" v="1" actId="20577"/>
+      <pc:docMkLst>
+        <pc:docMk/>
+      </pc:docMkLst>
+      <pc:sldChg chg="modSp">
+        <pc:chgData name="Natalia Medina de Oliveira Juliano" userId="a09039d73e6596b9" providerId="LiveId" clId="{D5F928A2-87FA-476E-96F3-B445C9B4F7B5}" dt="2019-09-11T21:23:05.142" v="1" actId="20577"/>
+        <pc:sldMkLst>
+          <pc:docMk/>
+          <pc:sldMk cId="229736890" sldId="356"/>
+        </pc:sldMkLst>
+        <pc:spChg chg="mod">
+          <ac:chgData name="Natalia Medina de Oliveira Juliano" userId="a09039d73e6596b9" providerId="LiveId" clId="{D5F928A2-87FA-476E-96F3-B445C9B4F7B5}" dt="2019-09-11T21:23:05.142" v="1" actId="20577"/>
+          <ac:spMkLst>
+            <pc:docMk/>
+            <pc:sldMk cId="229736890" sldId="356"/>
+            <ac:spMk id="364" creationId="{00000000-0000-0000-0000-000000000000}"/>
+          </ac:spMkLst>
+        </pc:spChg>
+      </pc:sldChg>
+    </pc:docChg>
+  </pc:docChgLst>
+</pc:chgInfo>
 </file>
 
 <file path=ppt/notesMasters/notesMaster1.xml><?xml version="1.0" encoding="utf-8"?>
@@ -16801,7 +16830,7 @@
                   <a:srgbClr val="FFB600"/>
                 </a:solidFill>
               </a:rPr>
-              <a:t>Obrigada</a:t>
+              <a:t>Obrigado</a:t>
             </a:r>
             <a:r>
               <a:rPr lang="en" sz="9600" dirty="0">
